--- a/Entregables/Arquitectura monolitica/4 preguntas.pptx
+++ b/Entregables/Arquitectura monolitica/4 preguntas.pptx
@@ -686,7 +686,7 @@
           <a:p>
             <a:fld id="{97BFF81C-1FCB-4DBA-8044-F1A0FCFD45A6}" type="datetime1">
               <a:rPr lang="en-US" smtClean="0"/>
-              <a:t>12/10/2020</a:t>
+              <a:t>12/11/2020</a:t>
             </a:fld>
             <a:endParaRPr lang="en-US" dirty="0"/>
           </a:p>
@@ -1365,7 +1365,7 @@
           <a:p>
             <a:fld id="{FB9092B3-2D87-4CDF-B84B-C46E5F5D31F7}" type="datetime1">
               <a:rPr lang="en-US" smtClean="0"/>
-              <a:t>12/10/2020</a:t>
+              <a:t>12/11/2020</a:t>
             </a:fld>
             <a:endParaRPr lang="en-US" dirty="0"/>
           </a:p>
@@ -2054,7 +2054,7 @@
           <a:p>
             <a:fld id="{3D769E57-47B1-47B0-B526-3153E4B1E729}" type="datetime1">
               <a:rPr lang="en-US" smtClean="0"/>
-              <a:t>12/10/2020</a:t>
+              <a:t>12/11/2020</a:t>
             </a:fld>
             <a:endParaRPr lang="en-US" dirty="0"/>
           </a:p>
@@ -2733,7 +2733,7 @@
           <a:p>
             <a:fld id="{5A87773D-8987-489A-A650-3D6F7D5C7C38}" type="datetime1">
               <a:rPr lang="en-US" smtClean="0"/>
-              <a:t>12/10/2020</a:t>
+              <a:t>12/11/2020</a:t>
             </a:fld>
             <a:endParaRPr lang="en-US" dirty="0"/>
           </a:p>
@@ -3488,7 +3488,7 @@
           <a:p>
             <a:fld id="{97E150C1-1D78-4D80-810D-E9E86F6E88AB}" type="datetime1">
               <a:rPr lang="en-US" smtClean="0"/>
-              <a:t>12/10/2020</a:t>
+              <a:t>12/11/2020</a:t>
             </a:fld>
             <a:endParaRPr lang="en-US" dirty="0"/>
           </a:p>
@@ -4235,7 +4235,7 @@
           <a:p>
             <a:fld id="{29E9CBD8-1588-4B6B-B74D-87480DDE94C0}" type="datetime1">
               <a:rPr lang="en-US" smtClean="0"/>
-              <a:t>12/10/2020</a:t>
+              <a:t>12/11/2020</a:t>
             </a:fld>
             <a:endParaRPr lang="en-US" dirty="0"/>
           </a:p>
@@ -5129,7 +5129,7 @@
           <a:p>
             <a:fld id="{AD794440-721C-4D75-BD4F-4CFB3D51CDCA}" type="datetime1">
               <a:rPr lang="en-US" smtClean="0"/>
-              <a:t>12/10/2020</a:t>
+              <a:t>12/11/2020</a:t>
             </a:fld>
             <a:endParaRPr lang="en-US" dirty="0"/>
           </a:p>
@@ -5750,7 +5750,7 @@
           <a:p>
             <a:fld id="{B2701A64-483B-4532-94FB-D8F90CB6DEE0}" type="datetime1">
               <a:rPr lang="en-US" smtClean="0"/>
-              <a:t>12/10/2020</a:t>
+              <a:t>12/11/2020</a:t>
             </a:fld>
             <a:endParaRPr lang="en-US" dirty="0"/>
           </a:p>
@@ -6342,7 +6342,7 @@
           <a:p>
             <a:fld id="{6F18FB39-20FB-4E2E-B861-45B709B9C3C5}" type="datetime1">
               <a:rPr lang="en-US" smtClean="0"/>
-              <a:t>12/10/2020</a:t>
+              <a:t>12/11/2020</a:t>
             </a:fld>
             <a:endParaRPr lang="en-US" dirty="0"/>
           </a:p>
@@ -7134,7 +7134,7 @@
           <a:p>
             <a:fld id="{AC48AC19-8BD6-476C-9770-8884373BCF00}" type="datetime1">
               <a:rPr lang="en-US" smtClean="0"/>
-              <a:t>12/10/2020</a:t>
+              <a:t>12/11/2020</a:t>
             </a:fld>
             <a:endParaRPr lang="en-US"/>
           </a:p>
@@ -7906,7 +7906,7 @@
           <a:p>
             <a:fld id="{F3F68C53-8AD1-4F09-9486-FB3406B99CFA}" type="datetime1">
               <a:rPr lang="en-US" smtClean="0"/>
-              <a:t>12/10/2020</a:t>
+              <a:t>12/11/2020</a:t>
             </a:fld>
             <a:endParaRPr lang="en-US" dirty="0"/>
           </a:p>
@@ -8217,7 +8217,7 @@
             <a:fld id="{BA543EDD-D0D2-447F-B24F-3717AF4B109D}" type="datetime1">
               <a:rPr lang="en-US" smtClean="0"/>
               <a:pPr/>
-              <a:t>12/10/2020</a:t>
+              <a:t>12/11/2020</a:t>
             </a:fld>
             <a:endParaRPr lang="en-US" dirty="0"/>
           </a:p>
@@ -8659,7 +8659,7 @@
                 <a16:creationId xmlns:a16="http://schemas.microsoft.com/office/drawing/2014/main" id="{489B7BFD-8F45-4093-AD9C-91B15B0503D9}"/>
               </a:ext>
               <a:ext uri="{C183D7F6-B498-43B3-948B-1728B52AA6E4}">
-                <adec:decorative xmlns:adec="http://schemas.microsoft.com/office/drawing/2017/decorative" val="1"/>
+                <adec:decorative xmlns:adec="http://schemas.microsoft.com/office/drawing/2017/decorative" xmlns="" val="1"/>
               </a:ext>
             </a:extLst>
           </p:cNvPr>
@@ -8719,7 +8719,7 @@
                 <a16:creationId xmlns:a16="http://schemas.microsoft.com/office/drawing/2014/main" id="{042BC7E5-76DB-4826-8C07-4A49B6353F76}"/>
               </a:ext>
               <a:ext uri="{C183D7F6-B498-43B3-948B-1728B52AA6E4}">
-                <adec:decorative xmlns:adec="http://schemas.microsoft.com/office/drawing/2017/decorative" val="1"/>
+                <adec:decorative xmlns:adec="http://schemas.microsoft.com/office/drawing/2017/decorative" xmlns="" val="1"/>
               </a:ext>
             </a:extLst>
           </p:cNvPr>
@@ -8753,7 +8753,7 @@
                   <a16:creationId xmlns:a16="http://schemas.microsoft.com/office/drawing/2014/main" id="{E16C8D8F-10E9-4498-ABDB-0F923F8B6837}"/>
                 </a:ext>
                 <a:ext uri="{C183D7F6-B498-43B3-948B-1728B52AA6E4}">
-                  <adec:decorative xmlns:adec="http://schemas.microsoft.com/office/drawing/2017/decorative" val="1"/>
+                  <adec:decorative xmlns:adec="http://schemas.microsoft.com/office/drawing/2017/decorative" xmlns="" val="1"/>
                 </a:ext>
               </a:extLst>
             </p:cNvPr>
@@ -8954,7 +8954,7 @@
                   <a16:creationId xmlns:a16="http://schemas.microsoft.com/office/drawing/2014/main" id="{1E5A83E3-8A11-4492-BB6E-F5F2240316FB}"/>
                 </a:ext>
                 <a:ext uri="{C183D7F6-B498-43B3-948B-1728B52AA6E4}">
-                  <adec:decorative xmlns:adec="http://schemas.microsoft.com/office/drawing/2017/decorative" val="1"/>
+                  <adec:decorative xmlns:adec="http://schemas.microsoft.com/office/drawing/2017/decorative" xmlns="" val="1"/>
                 </a:ext>
               </a:extLst>
             </p:cNvPr>
@@ -9156,7 +9156,7 @@
                 <a16:creationId xmlns:a16="http://schemas.microsoft.com/office/drawing/2014/main" id="{498F8FF6-43B4-494A-AF8F-123A4983EDF7}"/>
               </a:ext>
               <a:ext uri="{C183D7F6-B498-43B3-948B-1728B52AA6E4}">
-                <adec:decorative xmlns:adec="http://schemas.microsoft.com/office/drawing/2017/decorative" val="1"/>
+                <adec:decorative xmlns:adec="http://schemas.microsoft.com/office/drawing/2017/decorative" xmlns="" val="1"/>
               </a:ext>
             </a:extLst>
           </p:cNvPr>
@@ -9294,7 +9294,7 @@
                 <a16:creationId xmlns:a16="http://schemas.microsoft.com/office/drawing/2014/main" id="{2B06059C-C357-4011-82B9-9C0106301384}"/>
               </a:ext>
               <a:ext uri="{C183D7F6-B498-43B3-948B-1728B52AA6E4}">
-                <adec:decorative xmlns:adec="http://schemas.microsoft.com/office/drawing/2017/decorative" val="1"/>
+                <adec:decorative xmlns:adec="http://schemas.microsoft.com/office/drawing/2017/decorative" xmlns="" val="1"/>
               </a:ext>
             </a:extLst>
           </p:cNvPr>
@@ -9436,7 +9436,7 @@
                 <a16:creationId xmlns:a16="http://schemas.microsoft.com/office/drawing/2014/main" id="{5AFEC601-A132-47EE-B0C2-B38ACD9FCE6F}"/>
               </a:ext>
               <a:ext uri="{C183D7F6-B498-43B3-948B-1728B52AA6E4}">
-                <adec:decorative xmlns:adec="http://schemas.microsoft.com/office/drawing/2017/decorative" val="1"/>
+                <adec:decorative xmlns:adec="http://schemas.microsoft.com/office/drawing/2017/decorative" xmlns="" val="1"/>
               </a:ext>
             </a:extLst>
           </p:cNvPr>
@@ -9695,7 +9695,7 @@
                 <a16:creationId xmlns:a16="http://schemas.microsoft.com/office/drawing/2014/main" id="{279CAF82-0ECF-42BE-8F37-F71941E5D410}"/>
               </a:ext>
               <a:ext uri="{C183D7F6-B498-43B3-948B-1728B52AA6E4}">
-                <adec:decorative xmlns:adec="http://schemas.microsoft.com/office/drawing/2017/decorative" val="1"/>
+                <adec:decorative xmlns:adec="http://schemas.microsoft.com/office/drawing/2017/decorative" xmlns="" val="1"/>
               </a:ext>
             </a:extLst>
           </p:cNvPr>
@@ -9877,7 +9877,7 @@
                 <a16:creationId xmlns:a16="http://schemas.microsoft.com/office/drawing/2014/main" id="{218E095B-4870-4AD5-9C41-C16D59523501}"/>
               </a:ext>
               <a:ext uri="{C183D7F6-B498-43B3-948B-1728B52AA6E4}">
-                <adec:decorative xmlns:adec="http://schemas.microsoft.com/office/drawing/2017/decorative" val="1"/>
+                <adec:decorative xmlns:adec="http://schemas.microsoft.com/office/drawing/2017/decorative" xmlns="" val="1"/>
               </a:ext>
             </a:extLst>
           </p:cNvPr>
@@ -10061,7 +10061,7 @@
                 <a16:creationId xmlns:a16="http://schemas.microsoft.com/office/drawing/2014/main" id="{FB9739EB-7F66-433D-841F-AB3CD18700B7}"/>
               </a:ext>
               <a:ext uri="{C183D7F6-B498-43B3-948B-1728B52AA6E4}">
-                <adec:decorative xmlns:adec="http://schemas.microsoft.com/office/drawing/2017/decorative" val="1"/>
+                <adec:decorative xmlns:adec="http://schemas.microsoft.com/office/drawing/2017/decorative" xmlns="" val="1"/>
               </a:ext>
             </a:extLst>
           </p:cNvPr>
@@ -10095,7 +10095,7 @@
                   <a16:creationId xmlns:a16="http://schemas.microsoft.com/office/drawing/2014/main" id="{104F2BBD-A005-4DCB-9566-F2351050BEE6}"/>
                 </a:ext>
                 <a:ext uri="{C183D7F6-B498-43B3-948B-1728B52AA6E4}">
-                  <adec:decorative xmlns:adec="http://schemas.microsoft.com/office/drawing/2017/decorative" val="1"/>
+                  <adec:decorative xmlns:adec="http://schemas.microsoft.com/office/drawing/2017/decorative" xmlns="" val="1"/>
                 </a:ext>
               </a:extLst>
             </p:cNvPr>
@@ -10182,7 +10182,7 @@
                   <a16:creationId xmlns:a16="http://schemas.microsoft.com/office/drawing/2014/main" id="{8B00DEC7-198B-49D1-98FD-018F3ECFCF4C}"/>
                 </a:ext>
                 <a:ext uri="{C183D7F6-B498-43B3-948B-1728B52AA6E4}">
-                  <adec:decorative xmlns:adec="http://schemas.microsoft.com/office/drawing/2017/decorative" val="1"/>
+                  <adec:decorative xmlns:adec="http://schemas.microsoft.com/office/drawing/2017/decorative" xmlns="" val="1"/>
                 </a:ext>
               </a:extLst>
             </p:cNvPr>
@@ -10269,7 +10269,7 @@
                   <a16:creationId xmlns:a16="http://schemas.microsoft.com/office/drawing/2014/main" id="{F14DFC82-B3B3-468E-91B3-1302CFC68468}"/>
                 </a:ext>
                 <a:ext uri="{C183D7F6-B498-43B3-948B-1728B52AA6E4}">
-                  <adec:decorative xmlns:adec="http://schemas.microsoft.com/office/drawing/2017/decorative" val="1"/>
+                  <adec:decorative xmlns:adec="http://schemas.microsoft.com/office/drawing/2017/decorative" xmlns="" val="1"/>
                 </a:ext>
               </a:extLst>
             </p:cNvPr>
@@ -10356,7 +10356,7 @@
                   <a16:creationId xmlns:a16="http://schemas.microsoft.com/office/drawing/2014/main" id="{D3250EFE-214E-4B8E-AF96-036A514FFB2D}"/>
                 </a:ext>
                 <a:ext uri="{C183D7F6-B498-43B3-948B-1728B52AA6E4}">
-                  <adec:decorative xmlns:adec="http://schemas.microsoft.com/office/drawing/2017/decorative" val="1"/>
+                  <adec:decorative xmlns:adec="http://schemas.microsoft.com/office/drawing/2017/decorative" xmlns="" val="1"/>
                 </a:ext>
               </a:extLst>
             </p:cNvPr>
@@ -10443,7 +10443,7 @@
                   <a16:creationId xmlns:a16="http://schemas.microsoft.com/office/drawing/2014/main" id="{AD058EBE-D4A5-4C43-B170-6A451F87A7B2}"/>
                 </a:ext>
                 <a:ext uri="{C183D7F6-B498-43B3-948B-1728B52AA6E4}">
-                  <adec:decorative xmlns:adec="http://schemas.microsoft.com/office/drawing/2017/decorative" val="1"/>
+                  <adec:decorative xmlns:adec="http://schemas.microsoft.com/office/drawing/2017/decorative" xmlns="" val="1"/>
                 </a:ext>
               </a:extLst>
             </p:cNvPr>
@@ -10531,7 +10531,7 @@
                 <a16:creationId xmlns:a16="http://schemas.microsoft.com/office/drawing/2014/main" id="{033BC44A-0661-43B4-9C14-FD5963C226AE}"/>
               </a:ext>
               <a:ext uri="{C183D7F6-B498-43B3-948B-1728B52AA6E4}">
-                <adec:decorative xmlns:adec="http://schemas.microsoft.com/office/drawing/2017/decorative" val="1"/>
+                <adec:decorative xmlns:adec="http://schemas.microsoft.com/office/drawing/2017/decorative" xmlns="" val="1"/>
               </a:ext>
             </a:extLst>
           </p:cNvPr>
@@ -10599,7 +10599,7 @@
                 <a16:creationId xmlns:a16="http://schemas.microsoft.com/office/drawing/2014/main" id="{BE8CB2F0-2F5A-4EBD-B214-E0309C31F578}"/>
               </a:ext>
               <a:ext uri="{C183D7F6-B498-43B3-948B-1728B52AA6E4}">
-                <adec:decorative xmlns:adec="http://schemas.microsoft.com/office/drawing/2017/decorative" val="1"/>
+                <adec:decorative xmlns:adec="http://schemas.microsoft.com/office/drawing/2017/decorative" xmlns="" val="1"/>
               </a:ext>
             </a:extLst>
           </p:cNvPr>
@@ -10671,7 +10671,7 @@
                 <a16:creationId xmlns:a16="http://schemas.microsoft.com/office/drawing/2014/main" id="{FFD3887D-244B-4EC4-9208-E304984C5D0F}"/>
               </a:ext>
               <a:ext uri="{C183D7F6-B498-43B3-948B-1728B52AA6E4}">
-                <adec:decorative xmlns:adec="http://schemas.microsoft.com/office/drawing/2017/decorative" val="1"/>
+                <adec:decorative xmlns:adec="http://schemas.microsoft.com/office/drawing/2017/decorative" xmlns="" val="1"/>
               </a:ext>
             </a:extLst>
           </p:cNvPr>
@@ -10820,7 +10820,7 @@
                 <a16:creationId xmlns:a16="http://schemas.microsoft.com/office/drawing/2014/main" id="{97224C31-855E-4593-8A58-5B2B0CC4F537}"/>
               </a:ext>
               <a:ext uri="{C183D7F6-B498-43B3-948B-1728B52AA6E4}">
-                <adec:decorative xmlns:adec="http://schemas.microsoft.com/office/drawing/2017/decorative" val="1"/>
+                <adec:decorative xmlns:adec="http://schemas.microsoft.com/office/drawing/2017/decorative" xmlns="" val="1"/>
               </a:ext>
             </a:extLst>
           </p:cNvPr>
@@ -11074,7 +11074,7 @@
         </p:blipFill>
         <p:spPr>
           <a:xfrm>
-            <a:off x="838201" y="3323359"/>
+            <a:off x="3594101" y="3653559"/>
             <a:ext cx="4717182" cy="1969077"/>
           </a:xfrm>
           <a:prstGeom prst="rect">
@@ -11381,7 +11381,7 @@
         </p:blipFill>
         <p:spPr>
           <a:xfrm>
-            <a:off x="5327074" y="4408199"/>
+            <a:off x="3701474" y="4001294"/>
             <a:ext cx="4982022" cy="2084676"/>
           </a:xfrm>
           <a:prstGeom prst="rect">
@@ -11661,7 +11661,7 @@
         </p:nvSpPr>
         <p:spPr>
           <a:xfrm>
-            <a:off x="838200" y="3075709"/>
+            <a:off x="838200" y="2072409"/>
             <a:ext cx="10515600" cy="3101254"/>
           </a:xfrm>
         </p:spPr>
@@ -11743,33 +11743,6 @@
           </a:p>
         </p:txBody>
       </p:sp>
-      <p:sp>
-        <p:nvSpPr>
-          <p:cNvPr id="3" name="Marcador de contenido 2">
-            <a:extLst>
-              <a:ext uri="{FF2B5EF4-FFF2-40B4-BE49-F238E27FC236}">
-                <a16:creationId xmlns:a16="http://schemas.microsoft.com/office/drawing/2014/main" id="{6A4A95DD-DDD7-4D64-8EE8-F42DD98B4986}"/>
-              </a:ext>
-            </a:extLst>
-          </p:cNvPr>
-          <p:cNvSpPr>
-            <a:spLocks noGrp="1"/>
-          </p:cNvSpPr>
-          <p:nvPr>
-            <p:ph idx="1"/>
-          </p:nvPr>
-        </p:nvSpPr>
-        <p:spPr/>
-        <p:txBody>
-          <a:bodyPr>
-            <a:normAutofit/>
-          </a:bodyPr>
-          <a:lstStyle/>
-          <a:p>
-            <a:endParaRPr lang="es-CO" sz="1700" dirty="0"/>
-          </a:p>
-        </p:txBody>
-      </p:sp>
       <p:pic>
         <p:nvPicPr>
           <p:cNvPr id="4" name="Imagen 3">
@@ -11792,7 +11765,7 @@
         </p:blipFill>
         <p:spPr>
           <a:xfrm>
-            <a:off x="3020290" y="1690688"/>
+            <a:off x="3020290" y="1804988"/>
             <a:ext cx="5832764" cy="4372333"/>
           </a:xfrm>
           <a:prstGeom prst="rect">
@@ -11926,39 +11899,7 @@
                 <a:latin typeface="Arial" panose="020B0604020202020204" pitchFamily="34" charset="0"/>
                 <a:cs typeface="Arial" panose="020B0604020202020204" pitchFamily="34" charset="0"/>
               </a:rPr>
-              <a:t>es también conocido como escalamiento horizontal (</a:t>
-            </a:r>
-            <a:r>
-              <a:rPr lang="es-MX" sz="1800" b="0" i="0" dirty="0" err="1">
-                <a:effectLst/>
-                <a:latin typeface="Arial" panose="020B0604020202020204" pitchFamily="34" charset="0"/>
-                <a:cs typeface="Arial" panose="020B0604020202020204" pitchFamily="34" charset="0"/>
-              </a:rPr>
-              <a:t>scale</a:t>
-            </a:r>
-            <a:r>
-              <a:rPr lang="es-MX" sz="1800" b="0" i="0" dirty="0">
-                <a:effectLst/>
-                <a:latin typeface="Arial" panose="020B0604020202020204" pitchFamily="34" charset="0"/>
-                <a:cs typeface="Arial" panose="020B0604020202020204" pitchFamily="34" charset="0"/>
-              </a:rPr>
-              <a:t> </a:t>
-            </a:r>
-            <a:r>
-              <a:rPr lang="es-MX" sz="1800" b="0" i="0" dirty="0" err="1">
-                <a:effectLst/>
-                <a:latin typeface="Arial" panose="020B0604020202020204" pitchFamily="34" charset="0"/>
-                <a:cs typeface="Arial" panose="020B0604020202020204" pitchFamily="34" charset="0"/>
-              </a:rPr>
-              <a:t>out</a:t>
-            </a:r>
-            <a:r>
-              <a:rPr lang="es-MX" sz="1800" b="0" i="0" dirty="0">
-                <a:effectLst/>
-                <a:latin typeface="Arial" panose="020B0604020202020204" pitchFamily="34" charset="0"/>
-                <a:cs typeface="Arial" panose="020B0604020202020204" pitchFamily="34" charset="0"/>
-              </a:rPr>
-              <a:t>) y consiste en ejecutar varias copias de una aplicación detrás de un balanceador de carga. Si hay N copias entonces cada copia se encarga de 1/N de la carga. Este es un método sencillo para escalar una aplicación, de uso general y común en servidores de aplicación o servidores web. Sin embargo, este tipo de escalamiento presenta algunos inconvenientes</a:t>
+              <a:t>es también conocido como escalamiento horizontal (scale out) y consiste en ejecutar varias copias de una aplicación detrás de un balanceador de carga. Si hay N copias entonces cada copia se encarga de 1/N de la carga. Este es un método sencillo para escalar una aplicación, de uso general y común en servidores de aplicación o servidores web. Sin embargo, este tipo de escalamiento presenta algunos inconvenientes</a:t>
             </a:r>
             <a:endParaRPr lang="es-CO" sz="1800" dirty="0">
               <a:latin typeface="Arial" panose="020B0604020202020204" pitchFamily="34" charset="0"/>
@@ -12137,6 +12078,14 @@
                 <a:cs typeface="Arial" panose="020B0604020202020204" pitchFamily="34" charset="0"/>
               </a:rPr>
             </a:br>
+            <a:r>
+              <a:rPr lang="es-MX" b="0" i="0" dirty="0">
+                <a:effectLst/>
+                <a:latin typeface="Arial" panose="020B0604020202020204" pitchFamily="34" charset="0"/>
+                <a:cs typeface="Arial" panose="020B0604020202020204" pitchFamily="34" charset="0"/>
+              </a:rPr>
+              <a:t/>
+            </a:r>
             <a:br>
               <a:rPr lang="es-MX" b="0" i="0" dirty="0">
                 <a:effectLst/>
@@ -12161,7 +12110,7 @@
               <a:t>Hay un par de maneras diferentes de descomponer una aplicación en servicios. Un enfoque consiste en utilizar la descomposición basada en verbos, y definir los servicios que implementan un único caso de uso, como por ej. "</a:t>
             </a:r>
             <a:r>
-              <a:rPr lang="es-MX" b="0" i="1" dirty="0" err="1">
+              <a:rPr lang="es-MX" b="0" i="1" dirty="0">
                 <a:effectLst/>
                 <a:latin typeface="Arial" panose="020B0604020202020204" pitchFamily="34" charset="0"/>
                 <a:cs typeface="Arial" panose="020B0604020202020204" pitchFamily="34" charset="0"/>
